--- a/analysis/submitted_analyses/attentional_manipulations_psychometrics.pptx
+++ b/analysis/submitted_analyses/attentional_manipulations_psychometrics.pptx
@@ -243,7 +243,7 @@
           <a:p>
             <a:fld id="{CFC60B5F-2253-DF41-8690-61B53F1555CE}" type="datetimeFigureOut">
               <a:rPr lang="en-US" smtClean="0"/>
-              <a:t>1/29/24</a:t>
+              <a:t>6/14/24</a:t>
             </a:fld>
             <a:endParaRPr lang="en-US"/>
           </a:p>
@@ -413,7 +413,7 @@
           <a:p>
             <a:fld id="{CFC60B5F-2253-DF41-8690-61B53F1555CE}" type="datetimeFigureOut">
               <a:rPr lang="en-US" smtClean="0"/>
-              <a:t>1/29/24</a:t>
+              <a:t>6/14/24</a:t>
             </a:fld>
             <a:endParaRPr lang="en-US"/>
           </a:p>
@@ -593,7 +593,7 @@
           <a:p>
             <a:fld id="{CFC60B5F-2253-DF41-8690-61B53F1555CE}" type="datetimeFigureOut">
               <a:rPr lang="en-US" smtClean="0"/>
-              <a:t>1/29/24</a:t>
+              <a:t>6/14/24</a:t>
             </a:fld>
             <a:endParaRPr lang="en-US"/>
           </a:p>
@@ -763,7 +763,7 @@
           <a:p>
             <a:fld id="{CFC60B5F-2253-DF41-8690-61B53F1555CE}" type="datetimeFigureOut">
               <a:rPr lang="en-US" smtClean="0"/>
-              <a:t>1/29/24</a:t>
+              <a:t>6/14/24</a:t>
             </a:fld>
             <a:endParaRPr lang="en-US"/>
           </a:p>
@@ -1007,7 +1007,7 @@
           <a:p>
             <a:fld id="{CFC60B5F-2253-DF41-8690-61B53F1555CE}" type="datetimeFigureOut">
               <a:rPr lang="en-US" smtClean="0"/>
-              <a:t>1/29/24</a:t>
+              <a:t>6/14/24</a:t>
             </a:fld>
             <a:endParaRPr lang="en-US"/>
           </a:p>
@@ -1239,7 +1239,7 @@
           <a:p>
             <a:fld id="{CFC60B5F-2253-DF41-8690-61B53F1555CE}" type="datetimeFigureOut">
               <a:rPr lang="en-US" smtClean="0"/>
-              <a:t>1/29/24</a:t>
+              <a:t>6/14/24</a:t>
             </a:fld>
             <a:endParaRPr lang="en-US"/>
           </a:p>
@@ -1606,7 +1606,7 @@
           <a:p>
             <a:fld id="{CFC60B5F-2253-DF41-8690-61B53F1555CE}" type="datetimeFigureOut">
               <a:rPr lang="en-US" smtClean="0"/>
-              <a:t>1/29/24</a:t>
+              <a:t>6/14/24</a:t>
             </a:fld>
             <a:endParaRPr lang="en-US"/>
           </a:p>
@@ -1724,7 +1724,7 @@
           <a:p>
             <a:fld id="{CFC60B5F-2253-DF41-8690-61B53F1555CE}" type="datetimeFigureOut">
               <a:rPr lang="en-US" smtClean="0"/>
-              <a:t>1/29/24</a:t>
+              <a:t>6/14/24</a:t>
             </a:fld>
             <a:endParaRPr lang="en-US"/>
           </a:p>
@@ -1819,7 +1819,7 @@
           <a:p>
             <a:fld id="{CFC60B5F-2253-DF41-8690-61B53F1555CE}" type="datetimeFigureOut">
               <a:rPr lang="en-US" smtClean="0"/>
-              <a:t>1/29/24</a:t>
+              <a:t>6/14/24</a:t>
             </a:fld>
             <a:endParaRPr lang="en-US"/>
           </a:p>
@@ -2096,7 +2096,7 @@
           <a:p>
             <a:fld id="{CFC60B5F-2253-DF41-8690-61B53F1555CE}" type="datetimeFigureOut">
               <a:rPr lang="en-US" smtClean="0"/>
-              <a:t>1/29/24</a:t>
+              <a:t>6/14/24</a:t>
             </a:fld>
             <a:endParaRPr lang="en-US"/>
           </a:p>
@@ -2353,7 +2353,7 @@
           <a:p>
             <a:fld id="{CFC60B5F-2253-DF41-8690-61B53F1555CE}" type="datetimeFigureOut">
               <a:rPr lang="en-US" smtClean="0"/>
-              <a:t>1/29/24</a:t>
+              <a:t>6/14/24</a:t>
             </a:fld>
             <a:endParaRPr lang="en-US"/>
           </a:p>
@@ -2566,7 +2566,7 @@
           <a:p>
             <a:fld id="{CFC60B5F-2253-DF41-8690-61B53F1555CE}" type="datetimeFigureOut">
               <a:rPr lang="en-US" smtClean="0"/>
-              <a:t>1/29/24</a:t>
+              <a:t>6/14/24</a:t>
             </a:fld>
             <a:endParaRPr lang="en-US"/>
           </a:p>
@@ -2973,10 +2973,10 @@
       </p:grpSpPr>
       <p:pic>
         <p:nvPicPr>
-          <p:cNvPr id="8" name="Picture 7">
+          <p:cNvPr id="3" name="Picture 2">
             <a:extLst>
               <a:ext uri="{FF2B5EF4-FFF2-40B4-BE49-F238E27FC236}">
-                <a16:creationId xmlns:a16="http://schemas.microsoft.com/office/drawing/2014/main" id="{A0B22228-5A68-1469-BCD7-5EB3229FD581}"/>
+                <a16:creationId xmlns:a16="http://schemas.microsoft.com/office/drawing/2014/main" id="{CF432BC7-78F8-B321-5818-718AC4736B4F}"/>
               </a:ext>
             </a:extLst>
           </p:cNvPr>
@@ -2993,7 +2993,7 @@
         </p:blipFill>
         <p:spPr>
           <a:xfrm>
-            <a:off x="0" y="0"/>
+            <a:off x="0" y="159"/>
             <a:ext cx="7772400" cy="3108960"/>
           </a:xfrm>
           <a:prstGeom prst="rect">
@@ -3003,10 +3003,10 @@
       </p:pic>
       <p:pic>
         <p:nvPicPr>
-          <p:cNvPr id="11" name="Picture 10">
+          <p:cNvPr id="7" name="Picture 6">
             <a:extLst>
               <a:ext uri="{FF2B5EF4-FFF2-40B4-BE49-F238E27FC236}">
-                <a16:creationId xmlns:a16="http://schemas.microsoft.com/office/drawing/2014/main" id="{3D68B06F-91CE-7256-EF80-0F559028A031}"/>
+                <a16:creationId xmlns:a16="http://schemas.microsoft.com/office/drawing/2014/main" id="{E0D9EC75-7007-05D9-F2CF-591965E0EC3D}"/>
               </a:ext>
             </a:extLst>
           </p:cNvPr>
@@ -3023,7 +3023,7 @@
         </p:blipFill>
         <p:spPr>
           <a:xfrm>
-            <a:off x="0" y="3109278"/>
+            <a:off x="0" y="3109119"/>
             <a:ext cx="7772400" cy="3108960"/>
           </a:xfrm>
           <a:prstGeom prst="rect">
